--- a/Front-end/Slide/3. JavaScript/3. Java Script.pptx
+++ b/Front-end/Slide/3. JavaScript/3. Java Script.pptx
@@ -309,7 +309,7 @@
             <a:fld id="{1D8BD707-D9CF-40AE-B4C6-C98DA3205C09}" type="datetimeFigureOut">
               <a:rPr lang="en-US" smtClean="0"/>
               <a:pPr/>
-              <a:t>5/15/2018</a:t>
+              <a:t>5/16/2018</a:t>
             </a:fld>
             <a:endParaRPr lang="en-US"/>
           </a:p>
@@ -476,7 +476,7 @@
             <a:fld id="{1D8BD707-D9CF-40AE-B4C6-C98DA3205C09}" type="datetimeFigureOut">
               <a:rPr lang="en-US" smtClean="0"/>
               <a:pPr/>
-              <a:t>5/15/2018</a:t>
+              <a:t>5/16/2018</a:t>
             </a:fld>
             <a:endParaRPr lang="en-US"/>
           </a:p>
@@ -653,7 +653,7 @@
             <a:fld id="{1D8BD707-D9CF-40AE-B4C6-C98DA3205C09}" type="datetimeFigureOut">
               <a:rPr lang="en-US" smtClean="0"/>
               <a:pPr/>
-              <a:t>5/15/2018</a:t>
+              <a:t>5/16/2018</a:t>
             </a:fld>
             <a:endParaRPr lang="en-US"/>
           </a:p>
@@ -820,7 +820,7 @@
             <a:fld id="{1D8BD707-D9CF-40AE-B4C6-C98DA3205C09}" type="datetimeFigureOut">
               <a:rPr lang="en-US" smtClean="0"/>
               <a:pPr/>
-              <a:t>5/15/2018</a:t>
+              <a:t>5/16/2018</a:t>
             </a:fld>
             <a:endParaRPr lang="en-US"/>
           </a:p>
@@ -1063,7 +1063,7 @@
             <a:fld id="{1D8BD707-D9CF-40AE-B4C6-C98DA3205C09}" type="datetimeFigureOut">
               <a:rPr lang="en-US" smtClean="0"/>
               <a:pPr/>
-              <a:t>5/15/2018</a:t>
+              <a:t>5/16/2018</a:t>
             </a:fld>
             <a:endParaRPr lang="en-US"/>
           </a:p>
@@ -1348,7 +1348,7 @@
             <a:fld id="{1D8BD707-D9CF-40AE-B4C6-C98DA3205C09}" type="datetimeFigureOut">
               <a:rPr lang="en-US" smtClean="0"/>
               <a:pPr/>
-              <a:t>5/15/2018</a:t>
+              <a:t>5/16/2018</a:t>
             </a:fld>
             <a:endParaRPr lang="en-US"/>
           </a:p>
@@ -1767,7 +1767,7 @@
             <a:fld id="{1D8BD707-D9CF-40AE-B4C6-C98DA3205C09}" type="datetimeFigureOut">
               <a:rPr lang="en-US" smtClean="0"/>
               <a:pPr/>
-              <a:t>5/15/2018</a:t>
+              <a:t>5/16/2018</a:t>
             </a:fld>
             <a:endParaRPr lang="en-US"/>
           </a:p>
@@ -1882,7 +1882,7 @@
             <a:fld id="{1D8BD707-D9CF-40AE-B4C6-C98DA3205C09}" type="datetimeFigureOut">
               <a:rPr lang="en-US" smtClean="0"/>
               <a:pPr/>
-              <a:t>5/15/2018</a:t>
+              <a:t>5/16/2018</a:t>
             </a:fld>
             <a:endParaRPr lang="en-US"/>
           </a:p>
@@ -1974,7 +1974,7 @@
             <a:fld id="{1D8BD707-D9CF-40AE-B4C6-C98DA3205C09}" type="datetimeFigureOut">
               <a:rPr lang="en-US" smtClean="0"/>
               <a:pPr/>
-              <a:t>5/15/2018</a:t>
+              <a:t>5/16/2018</a:t>
             </a:fld>
             <a:endParaRPr lang="en-US"/>
           </a:p>
@@ -2248,7 +2248,7 @@
             <a:fld id="{1D8BD707-D9CF-40AE-B4C6-C98DA3205C09}" type="datetimeFigureOut">
               <a:rPr lang="en-US" smtClean="0"/>
               <a:pPr/>
-              <a:t>5/15/2018</a:t>
+              <a:t>5/16/2018</a:t>
             </a:fld>
             <a:endParaRPr lang="en-US"/>
           </a:p>
@@ -2498,7 +2498,7 @@
             <a:fld id="{1D8BD707-D9CF-40AE-B4C6-C98DA3205C09}" type="datetimeFigureOut">
               <a:rPr lang="en-US" smtClean="0"/>
               <a:pPr/>
-              <a:t>5/15/2018</a:t>
+              <a:t>5/16/2018</a:t>
             </a:fld>
             <a:endParaRPr lang="en-US"/>
           </a:p>
@@ -2708,7 +2708,7 @@
             <a:fld id="{1D8BD707-D9CF-40AE-B4C6-C98DA3205C09}" type="datetimeFigureOut">
               <a:rPr lang="en-US" smtClean="0"/>
               <a:pPr/>
-              <a:t>5/15/2018</a:t>
+              <a:t>5/16/2018</a:t>
             </a:fld>
             <a:endParaRPr lang="en-US"/>
           </a:p>
@@ -5094,6 +5094,22 @@
             </a:r>
             <a:r>
               <a:rPr lang="en-US" dirty="0" err="1" smtClean="0"/>
+              <a:t>có</a:t>
+            </a:r>
+            <a:r>
+              <a:rPr lang="en-US" dirty="0" smtClean="0"/>
+              <a:t> </a:t>
+            </a:r>
+            <a:r>
+              <a:rPr lang="en-US" dirty="0" err="1" smtClean="0"/>
+              <a:t>thể</a:t>
+            </a:r>
+            <a:r>
+              <a:rPr lang="en-US" dirty="0" smtClean="0"/>
+              <a:t> </a:t>
+            </a:r>
+            <a:r>
+              <a:rPr lang="en-US" dirty="0" err="1" smtClean="0"/>
               <a:t>là</a:t>
             </a:r>
             <a:r>
